--- a/Document/Room503_12_15.pptx
+++ b/Document/Room503_12_15.pptx
@@ -9362,10 +9362,14 @@
               <a:buNone/>
             </a:pPr>
             <a:r>
-              <a:rPr lang="en-US" dirty="0"/>
+              <a:rPr lang="en-US" dirty="0">
+                <a:latin typeface="Quattrocento Sans"/>
+              </a:rPr>
               <a:t>Room 503</a:t>
             </a:r>
-            <a:endParaRPr lang="en" dirty="0"/>
+            <a:endParaRPr lang="en" dirty="0">
+              <a:latin typeface="Quattrocento Sans"/>
+            </a:endParaRPr>
           </a:p>
         </p:txBody>
       </p:sp>
@@ -9398,28 +9402,42 @@
           <a:lstStyle/>
           <a:p>
             <a:r>
-              <a:rPr lang="en-US" altLang="ko-KR" sz="2800" dirty="0"/>
+              <a:rPr lang="en-US" altLang="ko-KR" sz="2800" dirty="0">
+                <a:latin typeface="Quattrocento Sans"/>
+              </a:rPr>
               <a:t>2012180002 </a:t>
             </a:r>
             <a:r>
-              <a:rPr lang="ko-KR" altLang="en-US" sz="2800" dirty="0"/>
+              <a:rPr lang="ko-KR" altLang="en-US" sz="2800" dirty="0">
+                <a:latin typeface="Quattrocento Sans"/>
+              </a:rPr>
               <a:t>양기석</a:t>
             </a:r>
-            <a:endParaRPr lang="en-US" altLang="ko-KR" sz="2800" dirty="0"/>
+            <a:endParaRPr lang="en-US" altLang="ko-KR" sz="2800" dirty="0">
+              <a:latin typeface="Quattrocento Sans"/>
+            </a:endParaRPr>
           </a:p>
           <a:p>
             <a:r>
-              <a:rPr lang="en-US" altLang="ko-KR" sz="2800" dirty="0"/>
+              <a:rPr lang="en-US" altLang="ko-KR" sz="2800" dirty="0">
+                <a:latin typeface="Quattrocento Sans"/>
+              </a:rPr>
               <a:t>2015182002 </a:t>
             </a:r>
             <a:r>
-              <a:rPr lang="ko-KR" altLang="en-US" sz="2800" dirty="0"/>
+              <a:rPr lang="ko-KR" altLang="en-US" sz="2800" dirty="0">
+                <a:latin typeface="Quattrocento Sans"/>
+              </a:rPr>
               <a:t>고동현</a:t>
             </a:r>
-            <a:endParaRPr lang="en-US" altLang="ko-KR" sz="2800" dirty="0"/>
+            <a:endParaRPr lang="en-US" altLang="ko-KR" sz="2800" dirty="0">
+              <a:latin typeface="Quattrocento Sans"/>
+            </a:endParaRPr>
           </a:p>
           <a:p>
-            <a:endParaRPr lang="ko-KR" altLang="en-US" sz="2800" dirty="0"/>
+            <a:endParaRPr lang="ko-KR" altLang="en-US" sz="2800" dirty="0">
+              <a:latin typeface="Quattrocento Sans"/>
+            </a:endParaRPr>
           </a:p>
         </p:txBody>
       </p:sp>
@@ -9514,7 +9532,7 @@
         </p:nvSpPr>
         <p:spPr>
           <a:xfrm>
-            <a:off x="1381250" y="1601612"/>
+            <a:off x="1139548" y="1601612"/>
             <a:ext cx="8240202" cy="1940275"/>
           </a:xfrm>
           <a:prstGeom prst="rect">
@@ -10156,7 +10174,7 @@
           <p:nvPr>
             <p:extLst>
               <p:ext uri="{D42A27DB-BD31-4B8C-83A1-F6EECF244321}">
-                <p14:modId xmlns:p14="http://schemas.microsoft.com/office/powerpoint/2010/main" val="2376067654"/>
+                <p14:modId xmlns:p14="http://schemas.microsoft.com/office/powerpoint/2010/main" val="1408460442"/>
               </p:ext>
             </p:extLst>
           </p:nvPr>
@@ -10256,14 +10274,16 @@
                         <a:buNone/>
                       </a:pPr>
                       <a:r>
-                        <a:rPr lang="en-US" altLang="ko-KR" sz="1800" kern="1200" cap="none" dirty="0"/>
+                        <a:rPr lang="en-US" altLang="ko-KR" sz="1800" kern="1200" cap="none" dirty="0">
+                          <a:latin typeface="Quattrocento Sans"/>
+                        </a:rPr>
                         <a:t>개발일정</a:t>
                       </a:r>
                       <a:endParaRPr lang="ko-KR" altLang="en-US" sz="1800" b="1" kern="1200" cap="none" dirty="0">
                         <a:solidFill>
                           <a:schemeClr val="tx1"/>
                         </a:solidFill>
-                        <a:latin typeface="맑은 고딕" charset="0"/>
+                        <a:latin typeface="Quattrocento Sans"/>
                         <a:ea typeface="맑은 고딕" charset="0"/>
                       </a:endParaRPr>
                     </a:p>
@@ -10289,14 +10309,16 @@
                         <a:buNone/>
                       </a:pPr>
                       <a:r>
-                        <a:rPr lang="en-US" altLang="ko-KR" sz="1800" kern="1200" cap="none" dirty="0"/>
+                        <a:rPr lang="en-US" altLang="ko-KR" sz="1800" kern="1200" cap="none" dirty="0">
+                          <a:latin typeface="Quattrocento Sans"/>
+                        </a:rPr>
                         <a:t>1월</a:t>
                       </a:r>
                       <a:endParaRPr lang="ko-KR" altLang="en-US" sz="1800" b="1" kern="1200" cap="none" dirty="0">
                         <a:solidFill>
                           <a:schemeClr val="tx1"/>
                         </a:solidFill>
-                        <a:latin typeface="맑은 고딕" charset="0"/>
+                        <a:latin typeface="Quattrocento Sans"/>
                         <a:ea typeface="맑은 고딕" charset="0"/>
                       </a:endParaRPr>
                     </a:p>
@@ -10322,14 +10344,16 @@
                         <a:buNone/>
                       </a:pPr>
                       <a:r>
-                        <a:rPr lang="en-US" altLang="ko-KR" sz="1800" kern="1200" cap="none" dirty="0"/>
+                        <a:rPr lang="en-US" altLang="ko-KR" sz="1800" kern="1200" cap="none" dirty="0">
+                          <a:latin typeface="Quattrocento Sans"/>
+                        </a:rPr>
                         <a:t>2월</a:t>
                       </a:r>
                       <a:endParaRPr lang="ko-KR" altLang="en-US" sz="1800" b="1" kern="1200" cap="none" dirty="0">
                         <a:solidFill>
                           <a:schemeClr val="tx1"/>
                         </a:solidFill>
-                        <a:latin typeface="맑은 고딕" charset="0"/>
+                        <a:latin typeface="Quattrocento Sans"/>
                         <a:ea typeface="맑은 고딕" charset="0"/>
                       </a:endParaRPr>
                     </a:p>
@@ -10355,14 +10379,16 @@
                         <a:buNone/>
                       </a:pPr>
                       <a:r>
-                        <a:rPr lang="en-US" altLang="ko-KR" sz="1800" kern="1200" cap="none" dirty="0"/>
+                        <a:rPr lang="en-US" altLang="ko-KR" sz="1800" kern="1200" cap="none" dirty="0">
+                          <a:latin typeface="Quattrocento Sans"/>
+                        </a:rPr>
                         <a:t>3월</a:t>
                       </a:r>
                       <a:endParaRPr lang="ko-KR" altLang="en-US" sz="1800" b="1" kern="1200" cap="none" dirty="0">
                         <a:solidFill>
                           <a:schemeClr val="tx1"/>
                         </a:solidFill>
-                        <a:latin typeface="맑은 고딕" charset="0"/>
+                        <a:latin typeface="Quattrocento Sans"/>
                         <a:ea typeface="맑은 고딕" charset="0"/>
                       </a:endParaRPr>
                     </a:p>
@@ -10388,14 +10414,16 @@
                         <a:buNone/>
                       </a:pPr>
                       <a:r>
-                        <a:rPr lang="en-US" altLang="ko-KR" sz="1800" kern="1200" cap="none" dirty="0"/>
+                        <a:rPr lang="en-US" altLang="ko-KR" sz="1800" kern="1200" cap="none" dirty="0">
+                          <a:latin typeface="Quattrocento Sans"/>
+                        </a:rPr>
                         <a:t>4월</a:t>
                       </a:r>
                       <a:endParaRPr lang="ko-KR" altLang="en-US" sz="1800" b="1" kern="1200" cap="none" dirty="0">
                         <a:solidFill>
                           <a:schemeClr val="tx1"/>
                         </a:solidFill>
-                        <a:latin typeface="맑은 고딕" charset="0"/>
+                        <a:latin typeface="Quattrocento Sans"/>
                         <a:ea typeface="맑은 고딕" charset="0"/>
                       </a:endParaRPr>
                     </a:p>
@@ -10421,14 +10449,16 @@
                         <a:buNone/>
                       </a:pPr>
                       <a:r>
-                        <a:rPr lang="en-US" altLang="ko-KR" sz="1800" kern="1200" cap="none" dirty="0"/>
+                        <a:rPr lang="en-US" altLang="ko-KR" sz="1800" kern="1200" cap="none" dirty="0">
+                          <a:latin typeface="Quattrocento Sans"/>
+                        </a:rPr>
                         <a:t>5월</a:t>
                       </a:r>
                       <a:endParaRPr lang="ko-KR" altLang="en-US" sz="1800" b="1" kern="1200" cap="none" dirty="0">
                         <a:solidFill>
                           <a:schemeClr val="tx1"/>
                         </a:solidFill>
-                        <a:latin typeface="맑은 고딕" charset="0"/>
+                        <a:latin typeface="Quattrocento Sans"/>
                         <a:ea typeface="맑은 고딕" charset="0"/>
                       </a:endParaRPr>
                     </a:p>
@@ -10454,14 +10484,16 @@
                         <a:buNone/>
                       </a:pPr>
                       <a:r>
-                        <a:rPr lang="en-US" altLang="ko-KR" sz="1800" kern="1200" cap="none" dirty="0"/>
+                        <a:rPr lang="en-US" altLang="ko-KR" sz="1800" kern="1200" cap="none" dirty="0">
+                          <a:latin typeface="Quattrocento Sans"/>
+                        </a:rPr>
                         <a:t>6월</a:t>
                       </a:r>
                       <a:endParaRPr lang="ko-KR" altLang="en-US" sz="1800" b="1" kern="1200" cap="none" dirty="0">
                         <a:solidFill>
                           <a:schemeClr val="tx1"/>
                         </a:solidFill>
-                        <a:latin typeface="맑은 고딕" charset="0"/>
+                        <a:latin typeface="Quattrocento Sans"/>
                         <a:ea typeface="맑은 고딕" charset="0"/>
                       </a:endParaRPr>
                     </a:p>
@@ -10487,14 +10519,16 @@
                         <a:buNone/>
                       </a:pPr>
                       <a:r>
-                        <a:rPr lang="en-US" altLang="ko-KR" sz="1800" kern="1200" cap="none" dirty="0"/>
+                        <a:rPr lang="en-US" altLang="ko-KR" sz="1800" kern="1200" cap="none" dirty="0">
+                          <a:latin typeface="Quattrocento Sans"/>
+                        </a:rPr>
                         <a:t>7월</a:t>
                       </a:r>
                       <a:endParaRPr lang="ko-KR" altLang="en-US" sz="1800" b="1" kern="1200" cap="none" dirty="0">
                         <a:solidFill>
                           <a:schemeClr val="tx1"/>
                         </a:solidFill>
-                        <a:latin typeface="맑은 고딕" charset="0"/>
+                        <a:latin typeface="Quattrocento Sans"/>
                         <a:ea typeface="맑은 고딕" charset="0"/>
                       </a:endParaRPr>
                     </a:p>
@@ -10520,14 +10554,16 @@
                         <a:buNone/>
                       </a:pPr>
                       <a:r>
-                        <a:rPr lang="en-US" altLang="ko-KR" sz="1800" kern="1200" cap="none" dirty="0"/>
+                        <a:rPr lang="en-US" altLang="ko-KR" sz="1800" kern="1200" cap="none" dirty="0">
+                          <a:latin typeface="Quattrocento Sans"/>
+                        </a:rPr>
                         <a:t>8월</a:t>
                       </a:r>
                       <a:endParaRPr lang="ko-KR" altLang="en-US" sz="1800" b="1" kern="1200" cap="none" dirty="0">
                         <a:solidFill>
                           <a:schemeClr val="tx1"/>
                         </a:solidFill>
-                        <a:latin typeface="맑은 고딕" charset="0"/>
+                        <a:latin typeface="Quattrocento Sans"/>
                         <a:ea typeface="맑은 고딕" charset="0"/>
                       </a:endParaRPr>
                     </a:p>
@@ -10560,14 +10596,16 @@
                         <a:buNone/>
                       </a:pPr>
                       <a:r>
-                        <a:rPr lang="en-US" altLang="ko-KR" sz="1400" kern="1200" cap="none" dirty="0"/>
+                        <a:rPr lang="en-US" altLang="ko-KR" sz="1400" kern="1200" cap="none" dirty="0">
+                          <a:latin typeface="Quattrocento Sans"/>
+                        </a:rPr>
                         <a:t>프레임워크 제작</a:t>
                       </a:r>
                       <a:endParaRPr lang="ko-KR" altLang="en-US" sz="1400" b="1" kern="1200" cap="none" dirty="0">
                         <a:solidFill>
                           <a:schemeClr val="bg1"/>
                         </a:solidFill>
-                        <a:latin typeface="맑은 고딕" charset="0"/>
+                        <a:latin typeface="Quattrocento Sans"/>
                         <a:ea typeface="맑은 고딕" charset="0"/>
                       </a:endParaRPr>
                     </a:p>
@@ -10596,7 +10634,7 @@
                         <a:solidFill>
                           <a:schemeClr val="bg1"/>
                         </a:solidFill>
-                        <a:latin typeface="맑은 고딕" charset="0"/>
+                        <a:latin typeface="Quattrocento Sans"/>
                         <a:ea typeface="맑은 고딕" charset="0"/>
                       </a:endParaRPr>
                     </a:p>
@@ -10625,7 +10663,7 @@
                         <a:solidFill>
                           <a:schemeClr val="bg1"/>
                         </a:solidFill>
-                        <a:latin typeface="맑은 고딕" charset="0"/>
+                        <a:latin typeface="Quattrocento Sans"/>
                         <a:ea typeface="맑은 고딕" charset="0"/>
                       </a:endParaRPr>
                     </a:p>
@@ -10654,7 +10692,7 @@
                         <a:solidFill>
                           <a:schemeClr val="bg1"/>
                         </a:solidFill>
-                        <a:latin typeface="맑은 고딕" charset="0"/>
+                        <a:latin typeface="Quattrocento Sans"/>
                         <a:ea typeface="맑은 고딕" charset="0"/>
                       </a:endParaRPr>
                     </a:p>
@@ -10683,7 +10721,7 @@
                         <a:solidFill>
                           <a:schemeClr val="bg1"/>
                         </a:solidFill>
-                        <a:latin typeface="맑은 고딕" charset="0"/>
+                        <a:latin typeface="Quattrocento Sans"/>
                         <a:ea typeface="맑은 고딕" charset="0"/>
                       </a:endParaRPr>
                     </a:p>
@@ -10712,7 +10750,7 @@
                         <a:solidFill>
                           <a:schemeClr val="bg1"/>
                         </a:solidFill>
-                        <a:latin typeface="맑은 고딕" charset="0"/>
+                        <a:latin typeface="Quattrocento Sans"/>
                         <a:ea typeface="맑은 고딕" charset="0"/>
                       </a:endParaRPr>
                     </a:p>
@@ -10741,7 +10779,7 @@
                         <a:solidFill>
                           <a:schemeClr val="bg1"/>
                         </a:solidFill>
-                        <a:latin typeface="맑은 고딕" charset="0"/>
+                        <a:latin typeface="Quattrocento Sans"/>
                         <a:ea typeface="맑은 고딕" charset="0"/>
                       </a:endParaRPr>
                     </a:p>
@@ -10770,7 +10808,7 @@
                         <a:solidFill>
                           <a:schemeClr val="bg1"/>
                         </a:solidFill>
-                        <a:latin typeface="맑은 고딕" charset="0"/>
+                        <a:latin typeface="Quattrocento Sans"/>
                         <a:ea typeface="맑은 고딕" charset="0"/>
                       </a:endParaRPr>
                     </a:p>
@@ -10799,7 +10837,7 @@
                         <a:solidFill>
                           <a:schemeClr val="bg1"/>
                         </a:solidFill>
-                        <a:latin typeface="맑은 고딕" charset="0"/>
+                        <a:latin typeface="Quattrocento Sans"/>
                         <a:ea typeface="맑은 고딕" charset="0"/>
                       </a:endParaRPr>
                     </a:p>
@@ -10832,10 +10870,14 @@
                         <a:buNone/>
                       </a:pPr>
                       <a:r>
-                        <a:rPr lang="en-US" altLang="ko-KR" sz="1400" kern="1200" cap="none" dirty="0"/>
+                        <a:rPr lang="en-US" altLang="ko-KR" sz="1400" kern="1200" cap="none" dirty="0">
+                          <a:latin typeface="Quattrocento Sans"/>
+                        </a:rPr>
                         <a:t>모델 애니메이션 </a:t>
                       </a:r>
-                      <a:endParaRPr lang="ko-KR" altLang="en-US" sz="1400" kern="1200" cap="none" dirty="0"/>
+                      <a:endParaRPr lang="ko-KR" altLang="en-US" sz="1400" kern="1200" cap="none" dirty="0">
+                        <a:latin typeface="Quattrocento Sans"/>
+                      </a:endParaRPr>
                     </a:p>
                     <a:p>
                       <a:pPr marL="0" indent="0" algn="ctr" defTabSz="508000" fontAlgn="auto">
@@ -10852,14 +10894,16 @@
                         <a:buNone/>
                       </a:pPr>
                       <a:r>
-                        <a:rPr lang="en-US" altLang="ko-KR" sz="1400" kern="1200" cap="none" dirty="0"/>
+                        <a:rPr lang="en-US" altLang="ko-KR" sz="1400" kern="1200" cap="none" dirty="0">
+                          <a:latin typeface="Quattrocento Sans"/>
+                        </a:rPr>
                         <a:t>임포트</a:t>
                       </a:r>
                       <a:endParaRPr lang="ko-KR" altLang="en-US" sz="1400" b="1" kern="1200" cap="none" dirty="0">
                         <a:solidFill>
                           <a:schemeClr val="bg1"/>
                         </a:solidFill>
-                        <a:latin typeface="맑은 고딕" charset="0"/>
+                        <a:latin typeface="Quattrocento Sans"/>
                         <a:ea typeface="맑은 고딕" charset="0"/>
                       </a:endParaRPr>
                     </a:p>
@@ -11004,14 +11048,16 @@
                         <a:buNone/>
                       </a:pPr>
                       <a:r>
-                        <a:rPr lang="en-US" altLang="ko-KR" sz="1400" kern="1200" cap="none" dirty="0"/>
+                        <a:rPr lang="en-US" altLang="ko-KR" sz="1400" kern="1200" cap="none" dirty="0">
+                          <a:latin typeface="Quattrocento Sans"/>
+                        </a:rPr>
                         <a:t>맵 제작</a:t>
                       </a:r>
                       <a:endParaRPr lang="ko-KR" altLang="en-US" sz="1400" b="1" kern="1200" cap="none" dirty="0">
                         <a:solidFill>
                           <a:schemeClr val="bg1"/>
                         </a:solidFill>
-                        <a:latin typeface="맑은 고딕" charset="0"/>
+                        <a:latin typeface="Quattrocento Sans"/>
                         <a:ea typeface="맑은 고딕" charset="0"/>
                       </a:endParaRPr>
                     </a:p>
@@ -11156,14 +11202,16 @@
                         <a:buNone/>
                       </a:pPr>
                       <a:r>
-                        <a:rPr lang="en-US" altLang="ko-KR" sz="1400" kern="1200" cap="none" dirty="0"/>
+                        <a:rPr lang="en-US" altLang="ko-KR" sz="1400" kern="1200" cap="none" dirty="0">
+                          <a:latin typeface="Quattrocento Sans"/>
+                        </a:rPr>
                         <a:t>쉐이더 효과</a:t>
                       </a:r>
                       <a:endParaRPr lang="ko-KR" altLang="en-US" sz="1400" b="1" kern="1200" cap="none" dirty="0">
                         <a:solidFill>
                           <a:schemeClr val="bg1"/>
                         </a:solidFill>
-                        <a:latin typeface="맑은 고딕" charset="0"/>
+                        <a:latin typeface="Quattrocento Sans"/>
                         <a:ea typeface="맑은 고딕" charset="0"/>
                       </a:endParaRPr>
                     </a:p>
@@ -11308,14 +11356,16 @@
                         <a:buNone/>
                       </a:pPr>
                       <a:r>
-                        <a:rPr lang="en-US" altLang="ko-KR" sz="1400" kern="1200" cap="none" dirty="0"/>
+                        <a:rPr lang="en-US" altLang="ko-KR" sz="1400" kern="1200" cap="none" dirty="0">
+                          <a:latin typeface="Quattrocento Sans"/>
+                        </a:rPr>
                         <a:t>게임 콘텐츠</a:t>
                       </a:r>
                       <a:endParaRPr lang="ko-KR" altLang="en-US" sz="1400" b="1" kern="1200" cap="none" dirty="0">
                         <a:solidFill>
                           <a:schemeClr val="bg1"/>
                         </a:solidFill>
-                        <a:latin typeface="맑은 고딕" charset="0"/>
+                        <a:latin typeface="Quattrocento Sans"/>
                         <a:ea typeface="맑은 고딕" charset="0"/>
                       </a:endParaRPr>
                     </a:p>
@@ -11460,14 +11510,16 @@
                         <a:buNone/>
                       </a:pPr>
                       <a:r>
-                        <a:rPr lang="en-US" altLang="ko-KR" sz="1400" kern="1200" cap="none" dirty="0"/>
+                        <a:rPr lang="en-US" altLang="ko-KR" sz="1400" kern="1200" cap="none" dirty="0">
+                          <a:latin typeface="Quattrocento Sans"/>
+                        </a:rPr>
                         <a:t>UI</a:t>
                       </a:r>
                       <a:endParaRPr lang="ko-KR" altLang="en-US" sz="1400" b="1" kern="1200" cap="none" dirty="0">
                         <a:solidFill>
                           <a:schemeClr val="bg1"/>
                         </a:solidFill>
-                        <a:latin typeface="맑은 고딕" charset="0"/>
+                        <a:latin typeface="Quattrocento Sans"/>
                         <a:ea typeface="맑은 고딕" charset="0"/>
                       </a:endParaRPr>
                     </a:p>
@@ -11496,7 +11548,7 @@
                         <a:solidFill>
                           <a:schemeClr val="bg1"/>
                         </a:solidFill>
-                        <a:latin typeface="맑은 고딕" charset="0"/>
+                        <a:latin typeface="Quattrocento Sans"/>
                         <a:ea typeface="맑은 고딕" charset="0"/>
                       </a:endParaRPr>
                     </a:p>
@@ -11525,7 +11577,7 @@
                         <a:solidFill>
                           <a:schemeClr val="bg1"/>
                         </a:solidFill>
-                        <a:latin typeface="맑은 고딕" charset="0"/>
+                        <a:latin typeface="Quattrocento Sans"/>
                         <a:ea typeface="맑은 고딕" charset="0"/>
                       </a:endParaRPr>
                     </a:p>
@@ -11554,7 +11606,7 @@
                         <a:solidFill>
                           <a:schemeClr val="bg1"/>
                         </a:solidFill>
-                        <a:latin typeface="맑은 고딕" charset="0"/>
+                        <a:latin typeface="Quattrocento Sans"/>
                         <a:ea typeface="맑은 고딕" charset="0"/>
                       </a:endParaRPr>
                     </a:p>
@@ -11583,7 +11635,7 @@
                         <a:solidFill>
                           <a:schemeClr val="bg1"/>
                         </a:solidFill>
-                        <a:latin typeface="맑은 고딕" charset="0"/>
+                        <a:latin typeface="Quattrocento Sans"/>
                         <a:ea typeface="맑은 고딕" charset="0"/>
                       </a:endParaRPr>
                     </a:p>
@@ -11612,7 +11664,7 @@
                         <a:solidFill>
                           <a:schemeClr val="bg1"/>
                         </a:solidFill>
-                        <a:latin typeface="맑은 고딕" charset="0"/>
+                        <a:latin typeface="Quattrocento Sans"/>
                         <a:ea typeface="맑은 고딕" charset="0"/>
                       </a:endParaRPr>
                     </a:p>
@@ -11641,7 +11693,7 @@
                         <a:solidFill>
                           <a:schemeClr val="bg1"/>
                         </a:solidFill>
-                        <a:latin typeface="맑은 고딕" charset="0"/>
+                        <a:latin typeface="Quattrocento Sans"/>
                         <a:ea typeface="맑은 고딕" charset="0"/>
                       </a:endParaRPr>
                     </a:p>
@@ -11670,7 +11722,7 @@
                         <a:solidFill>
                           <a:schemeClr val="bg1"/>
                         </a:solidFill>
-                        <a:latin typeface="맑은 고딕" charset="0"/>
+                        <a:latin typeface="Quattrocento Sans"/>
                         <a:ea typeface="맑은 고딕" charset="0"/>
                       </a:endParaRPr>
                     </a:p>
@@ -11699,7 +11751,7 @@
                         <a:solidFill>
                           <a:schemeClr val="bg1"/>
                         </a:solidFill>
-                        <a:latin typeface="맑은 고딕" charset="0"/>
+                        <a:latin typeface="Quattrocento Sans"/>
                         <a:ea typeface="맑은 고딕" charset="0"/>
                       </a:endParaRPr>
                     </a:p>
@@ -11732,14 +11784,16 @@
                         <a:buNone/>
                       </a:pPr>
                       <a:r>
-                        <a:rPr lang="en-US" altLang="ko-KR" sz="1400" kern="1200" cap="none" dirty="0"/>
+                        <a:rPr lang="en-US" altLang="ko-KR" sz="1400" kern="1200" cap="none" dirty="0">
+                          <a:latin typeface="Quattrocento Sans"/>
+                        </a:rPr>
                         <a:t>서버 프레임워크</a:t>
                       </a:r>
                       <a:endParaRPr lang="ko-KR" altLang="en-US" sz="1400" b="1" kern="1200" cap="none" dirty="0">
                         <a:solidFill>
                           <a:schemeClr val="bg1"/>
                         </a:solidFill>
-                        <a:latin typeface="맑은 고딕" charset="0"/>
+                        <a:latin typeface="Quattrocento Sans"/>
                         <a:ea typeface="맑은 고딕" charset="0"/>
                       </a:endParaRPr>
                     </a:p>
@@ -11884,14 +11938,16 @@
                         <a:buNone/>
                       </a:pPr>
                       <a:r>
-                        <a:rPr lang="en-US" altLang="ko-KR" sz="1400" kern="1200" cap="none" dirty="0"/>
+                        <a:rPr lang="en-US" altLang="ko-KR" sz="1400" kern="1200" cap="none" dirty="0">
+                          <a:latin typeface="Quattrocento Sans"/>
+                        </a:rPr>
                         <a:t>충돌 체크</a:t>
                       </a:r>
                       <a:endParaRPr lang="ko-KR" altLang="en-US" sz="1400" b="1" kern="1200" cap="none" dirty="0">
                         <a:solidFill>
                           <a:schemeClr val="bg1"/>
                         </a:solidFill>
-                        <a:latin typeface="맑은 고딕" charset="0"/>
+                        <a:latin typeface="Quattrocento Sans"/>
                         <a:ea typeface="맑은 고딕" charset="0"/>
                       </a:endParaRPr>
                     </a:p>
@@ -12036,14 +12092,16 @@
                         <a:buNone/>
                       </a:pPr>
                       <a:r>
-                        <a:rPr lang="en-US" altLang="ko-KR" sz="1400" kern="1200" cap="none" dirty="0"/>
+                        <a:rPr lang="en-US" altLang="ko-KR" sz="1400" kern="1200" cap="none" dirty="0">
+                          <a:latin typeface="Quattrocento Sans"/>
+                        </a:rPr>
                         <a:t>서버 동기화</a:t>
                       </a:r>
                       <a:endParaRPr lang="ko-KR" altLang="en-US" sz="1400" b="1" kern="1200" cap="none" dirty="0">
                         <a:solidFill>
                           <a:schemeClr val="bg1"/>
                         </a:solidFill>
-                        <a:latin typeface="맑은 고딕" charset="0"/>
+                        <a:latin typeface="Quattrocento Sans"/>
                         <a:ea typeface="맑은 고딕" charset="0"/>
                       </a:endParaRPr>
                     </a:p>
@@ -12188,14 +12246,16 @@
                         <a:buNone/>
                       </a:pPr>
                       <a:r>
-                        <a:rPr lang="ko-KR" altLang="en-US" sz="1400" kern="1200" cap="none" dirty="0"/>
+                        <a:rPr lang="ko-KR" altLang="en-US" sz="1400" kern="1200" cap="none" dirty="0">
+                          <a:latin typeface="Quattrocento Sans"/>
+                        </a:rPr>
                         <a:t>디버깅 및 테스트</a:t>
                       </a:r>
                       <a:endParaRPr lang="ko-KR" altLang="en-US" sz="1400" b="1" kern="1200" cap="none" dirty="0">
                         <a:solidFill>
                           <a:schemeClr val="bg1"/>
                         </a:solidFill>
-                        <a:latin typeface="맑은 고딕" charset="0"/>
+                        <a:latin typeface="Quattrocento Sans"/>
                         <a:ea typeface="맑은 고딕" charset="0"/>
                       </a:endParaRPr>
                     </a:p>
@@ -13863,17 +13923,23 @@
               <a:buChar char="l"/>
             </a:pPr>
             <a:r>
-              <a:rPr lang="ko-KR" altLang="en-US" sz="1800" dirty="0"/>
+              <a:rPr lang="ko-KR" altLang="en-US" sz="1800" dirty="0">
+                <a:latin typeface="Quattrocento Sans"/>
+              </a:rPr>
               <a:t>연구목적</a:t>
             </a:r>
-            <a:endParaRPr lang="en-US" altLang="ko-KR" sz="1800" dirty="0"/>
+            <a:endParaRPr lang="en-US" altLang="ko-KR" sz="1800" dirty="0">
+              <a:latin typeface="Quattrocento Sans"/>
+            </a:endParaRPr>
           </a:p>
           <a:p>
             <a:pPr marL="285750" indent="-285750">
               <a:buFont typeface="Wingdings" panose="05000000000000000000" pitchFamily="2" charset="2"/>
               <a:buChar char="l"/>
             </a:pPr>
-            <a:endParaRPr lang="en-US" altLang="ko-KR" sz="1800" dirty="0"/>
+            <a:endParaRPr lang="en-US" altLang="ko-KR" sz="1800" dirty="0">
+              <a:latin typeface="Quattrocento Sans"/>
+            </a:endParaRPr>
           </a:p>
           <a:p>
             <a:pPr marL="285750" indent="-285750">
@@ -13881,17 +13947,23 @@
               <a:buChar char="l"/>
             </a:pPr>
             <a:r>
-              <a:rPr lang="ko-KR" altLang="en-US" sz="1800" dirty="0"/>
+              <a:rPr lang="ko-KR" altLang="en-US" sz="1800" dirty="0">
+                <a:latin typeface="Quattrocento Sans"/>
+              </a:rPr>
               <a:t>게임소개</a:t>
             </a:r>
-            <a:endParaRPr lang="en-US" altLang="ko-KR" sz="1800" dirty="0"/>
+            <a:endParaRPr lang="en-US" altLang="ko-KR" sz="1800" dirty="0">
+              <a:latin typeface="Quattrocento Sans"/>
+            </a:endParaRPr>
           </a:p>
           <a:p>
             <a:pPr marL="285750" indent="-285750">
               <a:buFont typeface="Wingdings" panose="05000000000000000000" pitchFamily="2" charset="2"/>
               <a:buChar char="l"/>
             </a:pPr>
-            <a:endParaRPr lang="en-US" altLang="ko-KR" sz="1800" dirty="0"/>
+            <a:endParaRPr lang="en-US" altLang="ko-KR" sz="1800" dirty="0">
+              <a:latin typeface="Quattrocento Sans"/>
+            </a:endParaRPr>
           </a:p>
           <a:p>
             <a:pPr marL="285750" indent="-285750">
@@ -13899,17 +13971,23 @@
               <a:buChar char="l"/>
             </a:pPr>
             <a:r>
-              <a:rPr lang="ko-KR" altLang="en-US" sz="1800" dirty="0"/>
+              <a:rPr lang="ko-KR" altLang="en-US" sz="1800" dirty="0">
+                <a:latin typeface="Quattrocento Sans"/>
+              </a:rPr>
               <a:t>기술적요소</a:t>
             </a:r>
-            <a:endParaRPr lang="en-US" altLang="ko-KR" sz="1800" dirty="0"/>
+            <a:endParaRPr lang="en-US" altLang="ko-KR" sz="1800" dirty="0">
+              <a:latin typeface="Quattrocento Sans"/>
+            </a:endParaRPr>
           </a:p>
           <a:p>
             <a:pPr marL="285750" indent="-285750">
               <a:buFont typeface="Wingdings" panose="05000000000000000000" pitchFamily="2" charset="2"/>
               <a:buChar char="l"/>
             </a:pPr>
-            <a:endParaRPr lang="en-US" altLang="ko-KR" sz="1800" dirty="0"/>
+            <a:endParaRPr lang="en-US" altLang="ko-KR" sz="1800" dirty="0">
+              <a:latin typeface="Quattrocento Sans"/>
+            </a:endParaRPr>
           </a:p>
           <a:p>
             <a:pPr marL="285750" indent="-285750">
@@ -13917,17 +13995,23 @@
               <a:buChar char="l"/>
             </a:pPr>
             <a:r>
-              <a:rPr lang="ko-KR" altLang="en-US" sz="1800" dirty="0"/>
+              <a:rPr lang="ko-KR" altLang="en-US" sz="1800" dirty="0">
+                <a:latin typeface="Quattrocento Sans"/>
+              </a:rPr>
               <a:t>플랫폼소개</a:t>
             </a:r>
-            <a:endParaRPr lang="en-US" altLang="ko-KR" sz="1800" dirty="0"/>
+            <a:endParaRPr lang="en-US" altLang="ko-KR" sz="1800" dirty="0">
+              <a:latin typeface="Quattrocento Sans"/>
+            </a:endParaRPr>
           </a:p>
           <a:p>
             <a:pPr marL="285750" indent="-285750">
               <a:buFont typeface="Wingdings" panose="05000000000000000000" pitchFamily="2" charset="2"/>
               <a:buChar char="l"/>
             </a:pPr>
-            <a:endParaRPr lang="en-US" altLang="ko-KR" sz="1800" dirty="0"/>
+            <a:endParaRPr lang="en-US" altLang="ko-KR" sz="1800" dirty="0">
+              <a:latin typeface="Quattrocento Sans"/>
+            </a:endParaRPr>
           </a:p>
           <a:p>
             <a:pPr marL="285750" indent="-285750">
@@ -13935,24 +14019,32 @@
               <a:buChar char="l"/>
             </a:pPr>
             <a:r>
-              <a:rPr lang="ko-KR" altLang="en-US" sz="1800" dirty="0"/>
+              <a:rPr lang="ko-KR" altLang="en-US" sz="1800" dirty="0">
+                <a:latin typeface="Quattrocento Sans"/>
+              </a:rPr>
               <a:t>개발일정</a:t>
             </a:r>
-            <a:endParaRPr lang="en-US" altLang="ko-KR" sz="1800" dirty="0"/>
+            <a:endParaRPr lang="en-US" altLang="ko-KR" sz="1800" dirty="0">
+              <a:latin typeface="Quattrocento Sans"/>
+            </a:endParaRPr>
           </a:p>
           <a:p>
             <a:pPr marL="285750" indent="-285750">
               <a:buFont typeface="Wingdings" panose="05000000000000000000" pitchFamily="2" charset="2"/>
               <a:buChar char="l"/>
             </a:pPr>
-            <a:endParaRPr lang="en-US" altLang="ko-KR" sz="1800" dirty="0"/>
+            <a:endParaRPr lang="en-US" altLang="ko-KR" sz="1800" dirty="0">
+              <a:latin typeface="Quattrocento Sans"/>
+            </a:endParaRPr>
           </a:p>
           <a:p>
             <a:pPr marL="285750" indent="-285750">
               <a:buFont typeface="Wingdings" panose="05000000000000000000" pitchFamily="2" charset="2"/>
               <a:buChar char="l"/>
             </a:pPr>
-            <a:endParaRPr lang="ko-KR" altLang="en-US" sz="1800" dirty="0"/>
+            <a:endParaRPr lang="ko-KR" altLang="en-US" sz="1800" dirty="0">
+              <a:latin typeface="Quattrocento Sans"/>
+            </a:endParaRPr>
           </a:p>
         </p:txBody>
       </p:sp>
@@ -14037,8 +14129,8 @@
         </p:nvSpPr>
         <p:spPr>
           <a:xfrm>
-            <a:off x="1674715" y="4492618"/>
-            <a:ext cx="2026517" cy="523220"/>
+            <a:off x="1747652" y="4492618"/>
+            <a:ext cx="1880643" cy="523220"/>
           </a:xfrm>
           <a:prstGeom prst="rect">
             <a:avLst/>
@@ -14053,15 +14145,21 @@
           <a:p>
             <a:pPr algn="ctr"/>
             <a:r>
-              <a:rPr lang="ko-KR" altLang="en-US" dirty="0"/>
+              <a:rPr lang="ko-KR" altLang="en-US" dirty="0">
+                <a:latin typeface="Quattrocento Sans"/>
+              </a:rPr>
               <a:t>단서를 찾아 탈출하는</a:t>
             </a:r>
-            <a:endParaRPr lang="en-US" altLang="ko-KR" dirty="0"/>
+            <a:endParaRPr lang="en-US" altLang="ko-KR" dirty="0">
+              <a:latin typeface="Quattrocento Sans"/>
+            </a:endParaRPr>
           </a:p>
           <a:p>
             <a:pPr algn="ctr"/>
             <a:r>
-              <a:rPr lang="en-US" altLang="ko-KR" dirty="0"/>
+              <a:rPr lang="en-US" altLang="ko-KR" dirty="0">
+                <a:latin typeface="Quattrocento Sans"/>
+              </a:rPr>
               <a:t>Alice Madness Returns</a:t>
             </a:r>
           </a:p>
@@ -14146,14 +14244,20 @@
             <a:lstStyle/>
             <a:p>
               <a:r>
-                <a:rPr lang="ko-KR" altLang="en-US" dirty="0"/>
+                <a:rPr lang="ko-KR" altLang="en-US" dirty="0">
+                  <a:latin typeface="Quattrocento Sans"/>
+                </a:rPr>
                 <a:t>함께 협동하는 </a:t>
               </a:r>
               <a:r>
-                <a:rPr lang="en-US" altLang="ko-KR" dirty="0" err="1"/>
+                <a:rPr lang="en-US" altLang="ko-KR" dirty="0" err="1">
+                  <a:latin typeface="Quattrocento Sans"/>
+                </a:rPr>
                 <a:t>ibb&amp;obb</a:t>
               </a:r>
-              <a:endParaRPr lang="ko-KR" altLang="en-US" dirty="0"/>
+              <a:endParaRPr lang="ko-KR" altLang="en-US" dirty="0">
+                <a:latin typeface="Quattrocento Sans"/>
+              </a:endParaRPr>
             </a:p>
           </p:txBody>
         </p:sp>
@@ -14187,7 +14291,9 @@
           <a:lstStyle/>
           <a:p>
             <a:r>
-              <a:rPr lang="ko-KR" altLang="en-US" sz="1600" dirty="0"/>
+              <a:rPr lang="ko-KR" altLang="en-US" sz="1600" dirty="0">
+                <a:latin typeface="Quattrocento Sans"/>
+              </a:rPr>
               <a:t>경쟁과 승리에 치우친 게임에서 즐기기 위한 게임이 필요하다고 생각한다</a:t>
             </a:r>
           </a:p>
@@ -15619,7 +15725,7 @@
                 <a:solidFill>
                   <a:schemeClr val="bg1"/>
                 </a:solidFill>
-                <a:latin typeface="Century Gothic" charset="0"/>
+                <a:latin typeface="Quattrocento Sans"/>
                 <a:ea typeface="Century Gothic" charset="0"/>
               </a:rPr>
               <a:t>[</a:t>
@@ -15629,7 +15735,7 @@
                 <a:solidFill>
                   <a:schemeClr val="bg1"/>
                 </a:solidFill>
-                <a:latin typeface="맑은 고딕" charset="0"/>
+                <a:latin typeface="Quattrocento Sans"/>
                 <a:ea typeface="맑은 고딕" charset="0"/>
               </a:rPr>
               <a:t>연구소</a:t>
@@ -15639,7 +15745,7 @@
                 <a:solidFill>
                   <a:schemeClr val="bg1"/>
                 </a:solidFill>
-                <a:latin typeface="Century Gothic" charset="0"/>
+                <a:latin typeface="Quattrocento Sans"/>
                 <a:ea typeface="Century Gothic" charset="0"/>
               </a:rPr>
               <a:t>] </a:t>
@@ -15649,7 +15755,7 @@
                 <a:solidFill>
                   <a:schemeClr val="bg1"/>
                 </a:solidFill>
-                <a:latin typeface="맑은 고딕" charset="0"/>
+                <a:latin typeface="Quattrocento Sans"/>
                 <a:ea typeface="맑은 고딕" charset="0"/>
               </a:rPr>
               <a:t>게임이</a:t>
@@ -15659,7 +15765,7 @@
                 <a:solidFill>
                   <a:schemeClr val="bg1"/>
                 </a:solidFill>
-                <a:latin typeface="Century Gothic" charset="0"/>
+                <a:latin typeface="Quattrocento Sans"/>
                 <a:ea typeface="Century Gothic" charset="0"/>
               </a:rPr>
               <a:t> </a:t>
@@ -15669,7 +15775,7 @@
                 <a:solidFill>
                   <a:schemeClr val="bg1"/>
                 </a:solidFill>
-                <a:latin typeface="맑은 고딕" charset="0"/>
+                <a:latin typeface="Quattrocento Sans"/>
                 <a:ea typeface="맑은 고딕" charset="0"/>
               </a:rPr>
               <a:t>시작되었습니다</a:t>
@@ -15679,7 +15785,7 @@
                 <a:solidFill>
                   <a:schemeClr val="bg1"/>
                 </a:solidFill>
-                <a:latin typeface="Century Gothic" charset="0"/>
+                <a:latin typeface="Quattrocento Sans"/>
                 <a:ea typeface="Century Gothic" charset="0"/>
               </a:rPr>
               <a:t>.</a:t>
@@ -15688,7 +15794,7 @@
               <a:solidFill>
                 <a:schemeClr val="bg1"/>
               </a:solidFill>
-              <a:latin typeface="Century Gothic" charset="0"/>
+              <a:latin typeface="Quattrocento Sans"/>
               <a:ea typeface="Century Gothic" charset="0"/>
             </a:endParaRPr>
           </a:p>
@@ -15711,7 +15817,7 @@
                 <a:solidFill>
                   <a:srgbClr val="00B0F0"/>
                 </a:solidFill>
-                <a:latin typeface="Century Gothic" charset="0"/>
+                <a:latin typeface="Quattrocento Sans"/>
                 <a:ea typeface="Century Gothic" charset="0"/>
               </a:rPr>
               <a:t>1p</a:t>
@@ -15721,7 +15827,7 @@
                 <a:solidFill>
                   <a:srgbClr val="00B0F0"/>
                 </a:solidFill>
-                <a:latin typeface="맑은 고딕" charset="0"/>
+                <a:latin typeface="Quattrocento Sans"/>
                 <a:ea typeface="맑은 고딕" charset="0"/>
               </a:rPr>
               <a:t>가</a:t>
@@ -15731,7 +15837,7 @@
                 <a:solidFill>
                   <a:srgbClr val="00B0F0"/>
                 </a:solidFill>
-                <a:latin typeface="Century Gothic" charset="0"/>
+                <a:latin typeface="Quattrocento Sans"/>
                 <a:ea typeface="Century Gothic" charset="0"/>
               </a:rPr>
               <a:t> </a:t>
@@ -15741,7 +15847,7 @@
                 <a:solidFill>
                   <a:srgbClr val="00B0F0"/>
                 </a:solidFill>
-                <a:latin typeface="맑은 고딕" charset="0"/>
+                <a:latin typeface="Quattrocento Sans"/>
                 <a:ea typeface="맑은 고딕" charset="0"/>
               </a:rPr>
               <a:t>503을</a:t>
@@ -15751,7 +15857,7 @@
                 <a:solidFill>
                   <a:srgbClr val="00B0F0"/>
                 </a:solidFill>
-                <a:latin typeface="Century Gothic" charset="0"/>
+                <a:latin typeface="Quattrocento Sans"/>
                 <a:ea typeface="Century Gothic" charset="0"/>
               </a:rPr>
               <a:t> </a:t>
@@ -15761,7 +15867,7 @@
                 <a:solidFill>
                   <a:srgbClr val="00B0F0"/>
                 </a:solidFill>
-                <a:latin typeface="맑은 고딕" charset="0"/>
+                <a:latin typeface="Quattrocento Sans"/>
                 <a:ea typeface="맑은 고딕" charset="0"/>
               </a:rPr>
               <a:t>생성했습니다</a:t>
@@ -15771,7 +15877,7 @@
                 <a:solidFill>
                   <a:srgbClr val="00B0F0"/>
                 </a:solidFill>
-                <a:latin typeface="Century Gothic" charset="0"/>
+                <a:latin typeface="Quattrocento Sans"/>
                 <a:ea typeface="Century Gothic" charset="0"/>
               </a:rPr>
               <a:t>.</a:t>
@@ -15780,7 +15886,7 @@
               <a:solidFill>
                 <a:srgbClr val="00B0F0"/>
               </a:solidFill>
-              <a:latin typeface="Century Gothic" charset="0"/>
+              <a:latin typeface="Quattrocento Sans"/>
               <a:ea typeface="Century Gothic" charset="0"/>
             </a:endParaRPr>
           </a:p>
